--- a/tutorial/T03/tut03.pptx
+++ b/tutorial/T03/tut03.pptx
@@ -129,6 +129,177 @@
 
 <file path=ppt/changesInfos/changesInfo1.xml><?xml version="1.0" encoding="utf-8"?>
 <pc:chgInfo xmlns:a="http://schemas.openxmlformats.org/drawingml/2006/main" xmlns:r="http://schemas.openxmlformats.org/officeDocument/2006/relationships" xmlns:ac="http://schemas.microsoft.com/office/drawing/2013/main/command" xmlns:pc="http://schemas.microsoft.com/office/powerpoint/2013/main/command">
+  <pc:docChgLst>
+    <pc:chgData userId="16cc59afe9483dd5" providerId="LiveId" clId="{57913593-CB55-4F67-AC85-664E45B3162F}"/>
+    <pc:docChg chg="undo custSel addSld delSld modSld">
+      <pc:chgData name="" userId="16cc59afe9483dd5" providerId="LiveId" clId="{57913593-CB55-4F67-AC85-664E45B3162F}" dt="2023-01-31T10:55:55.453" v="385" actId="20577"/>
+      <pc:docMkLst>
+        <pc:docMk/>
+      </pc:docMkLst>
+      <pc:sldChg chg="addSp delSp modSp">
+        <pc:chgData name="" userId="16cc59afe9483dd5" providerId="LiveId" clId="{57913593-CB55-4F67-AC85-664E45B3162F}" dt="2023-01-31T08:02:37.942" v="373" actId="1076"/>
+        <pc:sldMkLst>
+          <pc:docMk/>
+          <pc:sldMk cId="2985031972" sldId="289"/>
+        </pc:sldMkLst>
+        <pc:spChg chg="add del">
+          <ac:chgData name="" userId="16cc59afe9483dd5" providerId="LiveId" clId="{57913593-CB55-4F67-AC85-664E45B3162F}" dt="2023-01-31T07:24:41.113" v="20"/>
+          <ac:spMkLst>
+            <pc:docMk/>
+            <pc:sldMk cId="2985031972" sldId="289"/>
+            <ac:spMk id="2" creationId="{D6B46935-D58D-4102-AF72-2D8974242059}"/>
+          </ac:spMkLst>
+        </pc:spChg>
+        <pc:spChg chg="mod">
+          <ac:chgData name="" userId="16cc59afe9483dd5" providerId="LiveId" clId="{57913593-CB55-4F67-AC85-664E45B3162F}" dt="2023-01-31T07:24:34.512" v="17" actId="20577"/>
+          <ac:spMkLst>
+            <pc:docMk/>
+            <pc:sldMk cId="2985031972" sldId="289"/>
+            <ac:spMk id="4" creationId="{C8624236-17B8-3962-74AC-6DB8EB25F696}"/>
+          </ac:spMkLst>
+        </pc:spChg>
+        <pc:spChg chg="add mod">
+          <ac:chgData name="" userId="16cc59afe9483dd5" providerId="LiveId" clId="{57913593-CB55-4F67-AC85-664E45B3162F}" dt="2023-01-31T08:02:37.942" v="373" actId="1076"/>
+          <ac:spMkLst>
+            <pc:docMk/>
+            <pc:sldMk cId="2985031972" sldId="289"/>
+            <ac:spMk id="6" creationId="{8EBC1EB5-CC0B-4B28-8C34-2A8CC3BD4C49}"/>
+          </ac:spMkLst>
+        </pc:spChg>
+        <pc:spChg chg="del mod">
+          <ac:chgData name="" userId="16cc59afe9483dd5" providerId="LiveId" clId="{57913593-CB55-4F67-AC85-664E45B3162F}" dt="2023-01-31T08:02:00.981" v="359"/>
+          <ac:spMkLst>
+            <pc:docMk/>
+            <pc:sldMk cId="2985031972" sldId="289"/>
+            <ac:spMk id="9" creationId="{B8836659-28C1-6513-0E04-BEC9CB4E5563}"/>
+          </ac:spMkLst>
+        </pc:spChg>
+        <pc:spChg chg="mod">
+          <ac:chgData name="" userId="16cc59afe9483dd5" providerId="LiveId" clId="{57913593-CB55-4F67-AC85-664E45B3162F}" dt="2023-01-31T07:43:07.474" v="134" actId="5793"/>
+          <ac:spMkLst>
+            <pc:docMk/>
+            <pc:sldMk cId="2985031972" sldId="289"/>
+            <ac:spMk id="10" creationId="{121AB99F-C25D-0857-E552-02E67A14674F}"/>
+          </ac:spMkLst>
+        </pc:spChg>
+      </pc:sldChg>
+      <pc:sldChg chg="modSp">
+        <pc:chgData name="" userId="16cc59afe9483dd5" providerId="LiveId" clId="{57913593-CB55-4F67-AC85-664E45B3162F}" dt="2023-01-31T08:03:19.982" v="383" actId="20577"/>
+        <pc:sldMkLst>
+          <pc:docMk/>
+          <pc:sldMk cId="4112954530" sldId="296"/>
+        </pc:sldMkLst>
+        <pc:spChg chg="mod">
+          <ac:chgData name="" userId="16cc59afe9483dd5" providerId="LiveId" clId="{57913593-CB55-4F67-AC85-664E45B3162F}" dt="2023-01-31T08:03:19.982" v="383" actId="20577"/>
+          <ac:spMkLst>
+            <pc:docMk/>
+            <pc:sldMk cId="4112954530" sldId="296"/>
+            <ac:spMk id="5" creationId="{69384E59-77FD-6437-B5D9-F6F0C5E35981}"/>
+          </ac:spMkLst>
+        </pc:spChg>
+        <pc:spChg chg="mod">
+          <ac:chgData name="" userId="16cc59afe9483dd5" providerId="LiveId" clId="{57913593-CB55-4F67-AC85-664E45B3162F}" dt="2023-01-31T08:03:08.820" v="377" actId="1076"/>
+          <ac:spMkLst>
+            <pc:docMk/>
+            <pc:sldMk cId="4112954530" sldId="296"/>
+            <ac:spMk id="9" creationId="{B8836659-28C1-6513-0E04-BEC9CB4E5563}"/>
+          </ac:spMkLst>
+        </pc:spChg>
+        <pc:picChg chg="mod">
+          <ac:chgData name="" userId="16cc59afe9483dd5" providerId="LiveId" clId="{57913593-CB55-4F67-AC85-664E45B3162F}" dt="2023-01-31T08:03:14.942" v="379" actId="1076"/>
+          <ac:picMkLst>
+            <pc:docMk/>
+            <pc:sldMk cId="4112954530" sldId="296"/>
+            <ac:picMk id="3" creationId="{60F04080-CDE9-5008-7151-DE4DF8986131}"/>
+          </ac:picMkLst>
+        </pc:picChg>
+      </pc:sldChg>
+      <pc:sldChg chg="modSp del">
+        <pc:chgData name="" userId="16cc59afe9483dd5" providerId="LiveId" clId="{57913593-CB55-4F67-AC85-664E45B3162F}" dt="2023-01-31T07:45:56.645" v="208" actId="2696"/>
+        <pc:sldMkLst>
+          <pc:docMk/>
+          <pc:sldMk cId="191743350" sldId="298"/>
+        </pc:sldMkLst>
+        <pc:spChg chg="mod">
+          <ac:chgData name="" userId="16cc59afe9483dd5" providerId="LiveId" clId="{57913593-CB55-4F67-AC85-664E45B3162F}" dt="2023-01-31T07:45:42.552" v="207" actId="14100"/>
+          <ac:spMkLst>
+            <pc:docMk/>
+            <pc:sldMk cId="191743350" sldId="298"/>
+            <ac:spMk id="10" creationId="{121AB99F-C25D-0857-E552-02E67A14674F}"/>
+          </ac:spMkLst>
+        </pc:spChg>
+      </pc:sldChg>
+      <pc:sldChg chg="add modNotesTx">
+        <pc:chgData name="" userId="16cc59afe9483dd5" providerId="LiveId" clId="{57913593-CB55-4F67-AC85-664E45B3162F}" dt="2023-01-31T07:46:07.581" v="239" actId="20577"/>
+        <pc:sldMkLst>
+          <pc:docMk/>
+          <pc:sldMk cId="3813494066" sldId="298"/>
+        </pc:sldMkLst>
+      </pc:sldChg>
+      <pc:sldChg chg="modSp">
+        <pc:chgData name="" userId="16cc59afe9483dd5" providerId="LiveId" clId="{57913593-CB55-4F67-AC85-664E45B3162F}" dt="2023-01-31T10:55:55.453" v="385" actId="20577"/>
+        <pc:sldMkLst>
+          <pc:docMk/>
+          <pc:sldMk cId="1497488007" sldId="301"/>
+        </pc:sldMkLst>
+        <pc:spChg chg="mod">
+          <ac:chgData name="" userId="16cc59afe9483dd5" providerId="LiveId" clId="{57913593-CB55-4F67-AC85-664E45B3162F}" dt="2023-01-31T10:55:55.453" v="385" actId="20577"/>
+          <ac:spMkLst>
+            <pc:docMk/>
+            <pc:sldMk cId="1497488007" sldId="301"/>
+            <ac:spMk id="9" creationId="{B8836659-28C1-6513-0E04-BEC9CB4E5563}"/>
+          </ac:spMkLst>
+        </pc:spChg>
+      </pc:sldChg>
+      <pc:sldChg chg="addSp delSp modSp">
+        <pc:chgData name="" userId="16cc59afe9483dd5" providerId="LiveId" clId="{57913593-CB55-4F67-AC85-664E45B3162F}" dt="2023-01-31T10:55:48.055" v="384" actId="20577"/>
+        <pc:sldMkLst>
+          <pc:docMk/>
+          <pc:sldMk cId="3080044796" sldId="302"/>
+        </pc:sldMkLst>
+        <pc:spChg chg="add mod">
+          <ac:chgData name="" userId="16cc59afe9483dd5" providerId="LiveId" clId="{57913593-CB55-4F67-AC85-664E45B3162F}" dt="2023-01-31T10:55:48.055" v="384" actId="20577"/>
+          <ac:spMkLst>
+            <pc:docMk/>
+            <pc:sldMk cId="3080044796" sldId="302"/>
+            <ac:spMk id="5" creationId="{8A894418-F7DA-4478-A76E-C5EE08E9291B}"/>
+          </ac:spMkLst>
+        </pc:spChg>
+        <pc:spChg chg="add del">
+          <ac:chgData name="" userId="16cc59afe9483dd5" providerId="LiveId" clId="{57913593-CB55-4F67-AC85-664E45B3162F}" dt="2023-01-31T08:02:05.785" v="361"/>
+          <ac:spMkLst>
+            <pc:docMk/>
+            <pc:sldMk cId="3080044796" sldId="302"/>
+            <ac:spMk id="6" creationId="{9C5543F5-1A5F-41BE-9B1C-052B8C6AD828}"/>
+          </ac:spMkLst>
+        </pc:spChg>
+        <pc:spChg chg="add">
+          <ac:chgData name="" userId="16cc59afe9483dd5" providerId="LiveId" clId="{57913593-CB55-4F67-AC85-664E45B3162F}" dt="2023-01-31T08:02:07.671" v="363"/>
+          <ac:spMkLst>
+            <pc:docMk/>
+            <pc:sldMk cId="3080044796" sldId="302"/>
+            <ac:spMk id="7" creationId="{CE48E0D4-5DAD-4545-8F16-6352CD5990D7}"/>
+          </ac:spMkLst>
+        </pc:spChg>
+        <pc:spChg chg="del">
+          <ac:chgData name="" userId="16cc59afe9483dd5" providerId="LiveId" clId="{57913593-CB55-4F67-AC85-664E45B3162F}" dt="2023-01-31T08:02:06.872" v="362" actId="478"/>
+          <ac:spMkLst>
+            <pc:docMk/>
+            <pc:sldMk cId="3080044796" sldId="302"/>
+            <ac:spMk id="9" creationId="{B8836659-28C1-6513-0E04-BEC9CB4E5563}"/>
+          </ac:spMkLst>
+        </pc:spChg>
+        <pc:spChg chg="del mod">
+          <ac:chgData name="" userId="16cc59afe9483dd5" providerId="LiveId" clId="{57913593-CB55-4F67-AC85-664E45B3162F}" dt="2023-01-31T07:44:59.401" v="138" actId="478"/>
+          <ac:spMkLst>
+            <pc:docMk/>
+            <pc:sldMk cId="3080044796" sldId="302"/>
+            <ac:spMk id="10" creationId="{121AB99F-C25D-0857-E552-02E67A14674F}"/>
+          </ac:spMkLst>
+        </pc:spChg>
+      </pc:sldChg>
+    </pc:docChg>
+  </pc:docChgLst>
   <pc:docChgLst>
     <pc:chgData name="Wu Shaofeng" userId="16cc59afe9483dd5" providerId="LiveId" clId="{B8FBE7A7-5802-43C0-9220-84FDA110C6FE}"/>
     <pc:docChg chg="undo redo custSel addSld delSld modSld sldOrd">
@@ -872,177 +1043,6 @@
       </pc:sldChg>
     </pc:docChg>
   </pc:docChgLst>
-  <pc:docChgLst>
-    <pc:chgData userId="16cc59afe9483dd5" providerId="LiveId" clId="{57913593-CB55-4F67-AC85-664E45B3162F}"/>
-    <pc:docChg chg="undo custSel addSld delSld modSld">
-      <pc:chgData name="" userId="16cc59afe9483dd5" providerId="LiveId" clId="{57913593-CB55-4F67-AC85-664E45B3162F}" dt="2023-01-31T10:55:55.453" v="385" actId="20577"/>
-      <pc:docMkLst>
-        <pc:docMk/>
-      </pc:docMkLst>
-      <pc:sldChg chg="addSp delSp modSp">
-        <pc:chgData name="" userId="16cc59afe9483dd5" providerId="LiveId" clId="{57913593-CB55-4F67-AC85-664E45B3162F}" dt="2023-01-31T08:02:37.942" v="373" actId="1076"/>
-        <pc:sldMkLst>
-          <pc:docMk/>
-          <pc:sldMk cId="2985031972" sldId="289"/>
-        </pc:sldMkLst>
-        <pc:spChg chg="add del">
-          <ac:chgData name="" userId="16cc59afe9483dd5" providerId="LiveId" clId="{57913593-CB55-4F67-AC85-664E45B3162F}" dt="2023-01-31T07:24:41.113" v="20"/>
-          <ac:spMkLst>
-            <pc:docMk/>
-            <pc:sldMk cId="2985031972" sldId="289"/>
-            <ac:spMk id="2" creationId="{D6B46935-D58D-4102-AF72-2D8974242059}"/>
-          </ac:spMkLst>
-        </pc:spChg>
-        <pc:spChg chg="mod">
-          <ac:chgData name="" userId="16cc59afe9483dd5" providerId="LiveId" clId="{57913593-CB55-4F67-AC85-664E45B3162F}" dt="2023-01-31T07:24:34.512" v="17" actId="20577"/>
-          <ac:spMkLst>
-            <pc:docMk/>
-            <pc:sldMk cId="2985031972" sldId="289"/>
-            <ac:spMk id="4" creationId="{C8624236-17B8-3962-74AC-6DB8EB25F696}"/>
-          </ac:spMkLst>
-        </pc:spChg>
-        <pc:spChg chg="add mod">
-          <ac:chgData name="" userId="16cc59afe9483dd5" providerId="LiveId" clId="{57913593-CB55-4F67-AC85-664E45B3162F}" dt="2023-01-31T08:02:37.942" v="373" actId="1076"/>
-          <ac:spMkLst>
-            <pc:docMk/>
-            <pc:sldMk cId="2985031972" sldId="289"/>
-            <ac:spMk id="6" creationId="{8EBC1EB5-CC0B-4B28-8C34-2A8CC3BD4C49}"/>
-          </ac:spMkLst>
-        </pc:spChg>
-        <pc:spChg chg="del mod">
-          <ac:chgData name="" userId="16cc59afe9483dd5" providerId="LiveId" clId="{57913593-CB55-4F67-AC85-664E45B3162F}" dt="2023-01-31T08:02:00.981" v="359"/>
-          <ac:spMkLst>
-            <pc:docMk/>
-            <pc:sldMk cId="2985031972" sldId="289"/>
-            <ac:spMk id="9" creationId="{B8836659-28C1-6513-0E04-BEC9CB4E5563}"/>
-          </ac:spMkLst>
-        </pc:spChg>
-        <pc:spChg chg="mod">
-          <ac:chgData name="" userId="16cc59afe9483dd5" providerId="LiveId" clId="{57913593-CB55-4F67-AC85-664E45B3162F}" dt="2023-01-31T07:43:07.474" v="134" actId="5793"/>
-          <ac:spMkLst>
-            <pc:docMk/>
-            <pc:sldMk cId="2985031972" sldId="289"/>
-            <ac:spMk id="10" creationId="{121AB99F-C25D-0857-E552-02E67A14674F}"/>
-          </ac:spMkLst>
-        </pc:spChg>
-      </pc:sldChg>
-      <pc:sldChg chg="modSp">
-        <pc:chgData name="" userId="16cc59afe9483dd5" providerId="LiveId" clId="{57913593-CB55-4F67-AC85-664E45B3162F}" dt="2023-01-31T08:03:19.982" v="383" actId="20577"/>
-        <pc:sldMkLst>
-          <pc:docMk/>
-          <pc:sldMk cId="4112954530" sldId="296"/>
-        </pc:sldMkLst>
-        <pc:spChg chg="mod">
-          <ac:chgData name="" userId="16cc59afe9483dd5" providerId="LiveId" clId="{57913593-CB55-4F67-AC85-664E45B3162F}" dt="2023-01-31T08:03:19.982" v="383" actId="20577"/>
-          <ac:spMkLst>
-            <pc:docMk/>
-            <pc:sldMk cId="4112954530" sldId="296"/>
-            <ac:spMk id="5" creationId="{69384E59-77FD-6437-B5D9-F6F0C5E35981}"/>
-          </ac:spMkLst>
-        </pc:spChg>
-        <pc:spChg chg="mod">
-          <ac:chgData name="" userId="16cc59afe9483dd5" providerId="LiveId" clId="{57913593-CB55-4F67-AC85-664E45B3162F}" dt="2023-01-31T08:03:08.820" v="377" actId="1076"/>
-          <ac:spMkLst>
-            <pc:docMk/>
-            <pc:sldMk cId="4112954530" sldId="296"/>
-            <ac:spMk id="9" creationId="{B8836659-28C1-6513-0E04-BEC9CB4E5563}"/>
-          </ac:spMkLst>
-        </pc:spChg>
-        <pc:picChg chg="mod">
-          <ac:chgData name="" userId="16cc59afe9483dd5" providerId="LiveId" clId="{57913593-CB55-4F67-AC85-664E45B3162F}" dt="2023-01-31T08:03:14.942" v="379" actId="1076"/>
-          <ac:picMkLst>
-            <pc:docMk/>
-            <pc:sldMk cId="4112954530" sldId="296"/>
-            <ac:picMk id="3" creationId="{60F04080-CDE9-5008-7151-DE4DF8986131}"/>
-          </ac:picMkLst>
-        </pc:picChg>
-      </pc:sldChg>
-      <pc:sldChg chg="modSp del">
-        <pc:chgData name="" userId="16cc59afe9483dd5" providerId="LiveId" clId="{57913593-CB55-4F67-AC85-664E45B3162F}" dt="2023-01-31T07:45:56.645" v="208" actId="2696"/>
-        <pc:sldMkLst>
-          <pc:docMk/>
-          <pc:sldMk cId="191743350" sldId="298"/>
-        </pc:sldMkLst>
-        <pc:spChg chg="mod">
-          <ac:chgData name="" userId="16cc59afe9483dd5" providerId="LiveId" clId="{57913593-CB55-4F67-AC85-664E45B3162F}" dt="2023-01-31T07:45:42.552" v="207" actId="14100"/>
-          <ac:spMkLst>
-            <pc:docMk/>
-            <pc:sldMk cId="191743350" sldId="298"/>
-            <ac:spMk id="10" creationId="{121AB99F-C25D-0857-E552-02E67A14674F}"/>
-          </ac:spMkLst>
-        </pc:spChg>
-      </pc:sldChg>
-      <pc:sldChg chg="add modNotesTx">
-        <pc:chgData name="" userId="16cc59afe9483dd5" providerId="LiveId" clId="{57913593-CB55-4F67-AC85-664E45B3162F}" dt="2023-01-31T07:46:07.581" v="239" actId="20577"/>
-        <pc:sldMkLst>
-          <pc:docMk/>
-          <pc:sldMk cId="3813494066" sldId="298"/>
-        </pc:sldMkLst>
-      </pc:sldChg>
-      <pc:sldChg chg="modSp">
-        <pc:chgData name="" userId="16cc59afe9483dd5" providerId="LiveId" clId="{57913593-CB55-4F67-AC85-664E45B3162F}" dt="2023-01-31T10:55:55.453" v="385" actId="20577"/>
-        <pc:sldMkLst>
-          <pc:docMk/>
-          <pc:sldMk cId="1497488007" sldId="301"/>
-        </pc:sldMkLst>
-        <pc:spChg chg="mod">
-          <ac:chgData name="" userId="16cc59afe9483dd5" providerId="LiveId" clId="{57913593-CB55-4F67-AC85-664E45B3162F}" dt="2023-01-31T10:55:55.453" v="385" actId="20577"/>
-          <ac:spMkLst>
-            <pc:docMk/>
-            <pc:sldMk cId="1497488007" sldId="301"/>
-            <ac:spMk id="9" creationId="{B8836659-28C1-6513-0E04-BEC9CB4E5563}"/>
-          </ac:spMkLst>
-        </pc:spChg>
-      </pc:sldChg>
-      <pc:sldChg chg="addSp delSp modSp">
-        <pc:chgData name="" userId="16cc59afe9483dd5" providerId="LiveId" clId="{57913593-CB55-4F67-AC85-664E45B3162F}" dt="2023-01-31T10:55:48.055" v="384" actId="20577"/>
-        <pc:sldMkLst>
-          <pc:docMk/>
-          <pc:sldMk cId="3080044796" sldId="302"/>
-        </pc:sldMkLst>
-        <pc:spChg chg="add mod">
-          <ac:chgData name="" userId="16cc59afe9483dd5" providerId="LiveId" clId="{57913593-CB55-4F67-AC85-664E45B3162F}" dt="2023-01-31T10:55:48.055" v="384" actId="20577"/>
-          <ac:spMkLst>
-            <pc:docMk/>
-            <pc:sldMk cId="3080044796" sldId="302"/>
-            <ac:spMk id="5" creationId="{8A894418-F7DA-4478-A76E-C5EE08E9291B}"/>
-          </ac:spMkLst>
-        </pc:spChg>
-        <pc:spChg chg="add del">
-          <ac:chgData name="" userId="16cc59afe9483dd5" providerId="LiveId" clId="{57913593-CB55-4F67-AC85-664E45B3162F}" dt="2023-01-31T08:02:05.785" v="361"/>
-          <ac:spMkLst>
-            <pc:docMk/>
-            <pc:sldMk cId="3080044796" sldId="302"/>
-            <ac:spMk id="6" creationId="{9C5543F5-1A5F-41BE-9B1C-052B8C6AD828}"/>
-          </ac:spMkLst>
-        </pc:spChg>
-        <pc:spChg chg="add">
-          <ac:chgData name="" userId="16cc59afe9483dd5" providerId="LiveId" clId="{57913593-CB55-4F67-AC85-664E45B3162F}" dt="2023-01-31T08:02:07.671" v="363"/>
-          <ac:spMkLst>
-            <pc:docMk/>
-            <pc:sldMk cId="3080044796" sldId="302"/>
-            <ac:spMk id="7" creationId="{CE48E0D4-5DAD-4545-8F16-6352CD5990D7}"/>
-          </ac:spMkLst>
-        </pc:spChg>
-        <pc:spChg chg="del">
-          <ac:chgData name="" userId="16cc59afe9483dd5" providerId="LiveId" clId="{57913593-CB55-4F67-AC85-664E45B3162F}" dt="2023-01-31T08:02:06.872" v="362" actId="478"/>
-          <ac:spMkLst>
-            <pc:docMk/>
-            <pc:sldMk cId="3080044796" sldId="302"/>
-            <ac:spMk id="9" creationId="{B8836659-28C1-6513-0E04-BEC9CB4E5563}"/>
-          </ac:spMkLst>
-        </pc:spChg>
-        <pc:spChg chg="del mod">
-          <ac:chgData name="" userId="16cc59afe9483dd5" providerId="LiveId" clId="{57913593-CB55-4F67-AC85-664E45B3162F}" dt="2023-01-31T07:44:59.401" v="138" actId="478"/>
-          <ac:spMkLst>
-            <pc:docMk/>
-            <pc:sldMk cId="3080044796" sldId="302"/>
-            <ac:spMk id="10" creationId="{121AB99F-C25D-0857-E552-02E67A14674F}"/>
-          </ac:spMkLst>
-        </pc:spChg>
-      </pc:sldChg>
-    </pc:docChg>
-  </pc:docChgLst>
 </pc:chgInfo>
 </file>
 
@@ -1128,7 +1128,7 @@
           <a:p>
             <a:fld id="{90751E9F-A845-4914-A3CC-CC345012599B}" type="datetimeFigureOut">
               <a:rPr lang="en-US" smtClean="0"/>
-              <a:t>1/31/2023</a:t>
+              <a:t>2/1/2023</a:t>
             </a:fld>
             <a:endParaRPr lang="en-US"/>
           </a:p>
@@ -2646,7 +2646,7 @@
           <a:p>
             <a:fld id="{2BC46B07-C44E-4000-8B7A-1B9F5FADE757}" type="datetimeFigureOut">
               <a:rPr lang="en-US" smtClean="0"/>
-              <a:t>1/31/2023</a:t>
+              <a:t>2/1/2023</a:t>
             </a:fld>
             <a:endParaRPr lang="en-US"/>
           </a:p>
@@ -2846,7 +2846,7 @@
           <a:p>
             <a:fld id="{2BC46B07-C44E-4000-8B7A-1B9F5FADE757}" type="datetimeFigureOut">
               <a:rPr lang="en-US" smtClean="0"/>
-              <a:t>1/31/2023</a:t>
+              <a:t>2/1/2023</a:t>
             </a:fld>
             <a:endParaRPr lang="en-US"/>
           </a:p>
@@ -3056,7 +3056,7 @@
           <a:p>
             <a:fld id="{2BC46B07-C44E-4000-8B7A-1B9F5FADE757}" type="datetimeFigureOut">
               <a:rPr lang="en-US" smtClean="0"/>
-              <a:t>1/31/2023</a:t>
+              <a:t>2/1/2023</a:t>
             </a:fld>
             <a:endParaRPr lang="en-US"/>
           </a:p>
@@ -3256,7 +3256,7 @@
           <a:p>
             <a:fld id="{2BC46B07-C44E-4000-8B7A-1B9F5FADE757}" type="datetimeFigureOut">
               <a:rPr lang="en-US" smtClean="0"/>
-              <a:t>1/31/2023</a:t>
+              <a:t>2/1/2023</a:t>
             </a:fld>
             <a:endParaRPr lang="en-US"/>
           </a:p>
@@ -3532,7 +3532,7 @@
           <a:p>
             <a:fld id="{2BC46B07-C44E-4000-8B7A-1B9F5FADE757}" type="datetimeFigureOut">
               <a:rPr lang="en-US" smtClean="0"/>
-              <a:t>1/31/2023</a:t>
+              <a:t>2/1/2023</a:t>
             </a:fld>
             <a:endParaRPr lang="en-US"/>
           </a:p>
@@ -3800,7 +3800,7 @@
           <a:p>
             <a:fld id="{2BC46B07-C44E-4000-8B7A-1B9F5FADE757}" type="datetimeFigureOut">
               <a:rPr lang="en-US" smtClean="0"/>
-              <a:t>1/31/2023</a:t>
+              <a:t>2/1/2023</a:t>
             </a:fld>
             <a:endParaRPr lang="en-US"/>
           </a:p>
@@ -4215,7 +4215,7 @@
           <a:p>
             <a:fld id="{2BC46B07-C44E-4000-8B7A-1B9F5FADE757}" type="datetimeFigureOut">
               <a:rPr lang="en-US" smtClean="0"/>
-              <a:t>1/31/2023</a:t>
+              <a:t>2/1/2023</a:t>
             </a:fld>
             <a:endParaRPr lang="en-US"/>
           </a:p>
@@ -4357,7 +4357,7 @@
           <a:p>
             <a:fld id="{2BC46B07-C44E-4000-8B7A-1B9F5FADE757}" type="datetimeFigureOut">
               <a:rPr lang="en-US" smtClean="0"/>
-              <a:t>1/31/2023</a:t>
+              <a:t>2/1/2023</a:t>
             </a:fld>
             <a:endParaRPr lang="en-US"/>
           </a:p>
@@ -4470,7 +4470,7 @@
           <a:p>
             <a:fld id="{2BC46B07-C44E-4000-8B7A-1B9F5FADE757}" type="datetimeFigureOut">
               <a:rPr lang="en-US" smtClean="0"/>
-              <a:t>1/31/2023</a:t>
+              <a:t>2/1/2023</a:t>
             </a:fld>
             <a:endParaRPr lang="en-US"/>
           </a:p>
@@ -4783,7 +4783,7 @@
           <a:p>
             <a:fld id="{2BC46B07-C44E-4000-8B7A-1B9F5FADE757}" type="datetimeFigureOut">
               <a:rPr lang="en-US" smtClean="0"/>
-              <a:t>1/31/2023</a:t>
+              <a:t>2/1/2023</a:t>
             </a:fld>
             <a:endParaRPr lang="en-US"/>
           </a:p>
@@ -5072,7 +5072,7 @@
           <a:p>
             <a:fld id="{2BC46B07-C44E-4000-8B7A-1B9F5FADE757}" type="datetimeFigureOut">
               <a:rPr lang="en-US" smtClean="0"/>
-              <a:t>1/31/2023</a:t>
+              <a:t>2/1/2023</a:t>
             </a:fld>
             <a:endParaRPr lang="en-US"/>
           </a:p>
@@ -5315,7 +5315,7 @@
           <a:p>
             <a:fld id="{2BC46B07-C44E-4000-8B7A-1B9F5FADE757}" type="datetimeFigureOut">
               <a:rPr lang="en-US" smtClean="0"/>
-              <a:t>1/31/2023</a:t>
+              <a:t>2/1/2023</a:t>
             </a:fld>
             <a:endParaRPr lang="en-US"/>
           </a:p>

--- a/tutorial/T03/tut03.pptx
+++ b/tutorial/T03/tut03.pptx
@@ -1128,7 +1128,7 @@
           <a:p>
             <a:fld id="{90751E9F-A845-4914-A3CC-CC345012599B}" type="datetimeFigureOut">
               <a:rPr lang="en-US" smtClean="0"/>
-              <a:t>2/1/2023</a:t>
+              <a:t>2/2/2023</a:t>
             </a:fld>
             <a:endParaRPr lang="en-US"/>
           </a:p>
@@ -1608,10 +1608,7 @@
           <a:bodyPr/>
           <a:lstStyle/>
           <a:p>
-            <a:r>
-              <a:rPr lang="en-US" dirty="0"/>
-              <a:t>interchangeably</a:t>
-            </a:r>
+            <a:endParaRPr lang="en-US" dirty="0"/>
           </a:p>
         </p:txBody>
       </p:sp>
@@ -2646,7 +2643,7 @@
           <a:p>
             <a:fld id="{2BC46B07-C44E-4000-8B7A-1B9F5FADE757}" type="datetimeFigureOut">
               <a:rPr lang="en-US" smtClean="0"/>
-              <a:t>2/1/2023</a:t>
+              <a:t>2/2/2023</a:t>
             </a:fld>
             <a:endParaRPr lang="en-US"/>
           </a:p>
@@ -2846,7 +2843,7 @@
           <a:p>
             <a:fld id="{2BC46B07-C44E-4000-8B7A-1B9F5FADE757}" type="datetimeFigureOut">
               <a:rPr lang="en-US" smtClean="0"/>
-              <a:t>2/1/2023</a:t>
+              <a:t>2/2/2023</a:t>
             </a:fld>
             <a:endParaRPr lang="en-US"/>
           </a:p>
@@ -3056,7 +3053,7 @@
           <a:p>
             <a:fld id="{2BC46B07-C44E-4000-8B7A-1B9F5FADE757}" type="datetimeFigureOut">
               <a:rPr lang="en-US" smtClean="0"/>
-              <a:t>2/1/2023</a:t>
+              <a:t>2/2/2023</a:t>
             </a:fld>
             <a:endParaRPr lang="en-US"/>
           </a:p>
@@ -3256,7 +3253,7 @@
           <a:p>
             <a:fld id="{2BC46B07-C44E-4000-8B7A-1B9F5FADE757}" type="datetimeFigureOut">
               <a:rPr lang="en-US" smtClean="0"/>
-              <a:t>2/1/2023</a:t>
+              <a:t>2/2/2023</a:t>
             </a:fld>
             <a:endParaRPr lang="en-US"/>
           </a:p>
@@ -3532,7 +3529,7 @@
           <a:p>
             <a:fld id="{2BC46B07-C44E-4000-8B7A-1B9F5FADE757}" type="datetimeFigureOut">
               <a:rPr lang="en-US" smtClean="0"/>
-              <a:t>2/1/2023</a:t>
+              <a:t>2/2/2023</a:t>
             </a:fld>
             <a:endParaRPr lang="en-US"/>
           </a:p>
@@ -3800,7 +3797,7 @@
           <a:p>
             <a:fld id="{2BC46B07-C44E-4000-8B7A-1B9F5FADE757}" type="datetimeFigureOut">
               <a:rPr lang="en-US" smtClean="0"/>
-              <a:t>2/1/2023</a:t>
+              <a:t>2/2/2023</a:t>
             </a:fld>
             <a:endParaRPr lang="en-US"/>
           </a:p>
@@ -4215,7 +4212,7 @@
           <a:p>
             <a:fld id="{2BC46B07-C44E-4000-8B7A-1B9F5FADE757}" type="datetimeFigureOut">
               <a:rPr lang="en-US" smtClean="0"/>
-              <a:t>2/1/2023</a:t>
+              <a:t>2/2/2023</a:t>
             </a:fld>
             <a:endParaRPr lang="en-US"/>
           </a:p>
@@ -4357,7 +4354,7 @@
           <a:p>
             <a:fld id="{2BC46B07-C44E-4000-8B7A-1B9F5FADE757}" type="datetimeFigureOut">
               <a:rPr lang="en-US" smtClean="0"/>
-              <a:t>2/1/2023</a:t>
+              <a:t>2/2/2023</a:t>
             </a:fld>
             <a:endParaRPr lang="en-US"/>
           </a:p>
@@ -4470,7 +4467,7 @@
           <a:p>
             <a:fld id="{2BC46B07-C44E-4000-8B7A-1B9F5FADE757}" type="datetimeFigureOut">
               <a:rPr lang="en-US" smtClean="0"/>
-              <a:t>2/1/2023</a:t>
+              <a:t>2/2/2023</a:t>
             </a:fld>
             <a:endParaRPr lang="en-US"/>
           </a:p>
@@ -4783,7 +4780,7 @@
           <a:p>
             <a:fld id="{2BC46B07-C44E-4000-8B7A-1B9F5FADE757}" type="datetimeFigureOut">
               <a:rPr lang="en-US" smtClean="0"/>
-              <a:t>2/1/2023</a:t>
+              <a:t>2/2/2023</a:t>
             </a:fld>
             <a:endParaRPr lang="en-US"/>
           </a:p>
@@ -5072,7 +5069,7 @@
           <a:p>
             <a:fld id="{2BC46B07-C44E-4000-8B7A-1B9F5FADE757}" type="datetimeFigureOut">
               <a:rPr lang="en-US" smtClean="0"/>
-              <a:t>2/1/2023</a:t>
+              <a:t>2/2/2023</a:t>
             </a:fld>
             <a:endParaRPr lang="en-US"/>
           </a:p>
@@ -5315,7 +5312,7 @@
           <a:p>
             <a:fld id="{2BC46B07-C44E-4000-8B7A-1B9F5FADE757}" type="datetimeFigureOut">
               <a:rPr lang="en-US" smtClean="0"/>
-              <a:t>2/1/2023</a:t>
+              <a:t>2/2/2023</a:t>
             </a:fld>
             <a:endParaRPr lang="en-US"/>
           </a:p>
@@ -9939,7 +9936,7 @@
         <p:spPr>
           <a:xfrm>
             <a:off x="480291" y="1905261"/>
-            <a:ext cx="5443138" cy="1323439"/>
+            <a:ext cx="5443138" cy="1631216"/>
           </a:xfrm>
           <a:prstGeom prst="rect">
             <a:avLst/>
@@ -9980,6 +9977,17 @@
               <a:rPr lang="en-US" altLang="zh-CN" sz="2000" dirty="0"/>
               <a:t>User-space and kernel bypass</a:t>
             </a:r>
+          </a:p>
+          <a:p>
+            <a:pPr marL="914400" lvl="1" indent="-457200">
+              <a:buFont typeface="Arial" panose="020B0604020202020204" pitchFamily="34" charset="0"/>
+              <a:buChar char="•"/>
+            </a:pPr>
+            <a:r>
+              <a:rPr lang="en-US" altLang="zh-CN" sz="2000"/>
+              <a:t>…</a:t>
+            </a:r>
+            <a:endParaRPr lang="en-US" altLang="zh-CN" sz="2000" dirty="0"/>
           </a:p>
           <a:p>
             <a:pPr lvl="1"/>
@@ -11898,6 +11906,42 @@
           </a:p>
         </p:txBody>
       </p:sp>
+      <p:sp>
+        <p:nvSpPr>
+          <p:cNvPr id="2" name="文本框 1">
+            <a:extLst>
+              <a:ext uri="{FF2B5EF4-FFF2-40B4-BE49-F238E27FC236}">
+                <a16:creationId xmlns:a16="http://schemas.microsoft.com/office/drawing/2014/main" id="{C4C08A66-87BB-E90C-E82F-EB881475CA8E}"/>
+              </a:ext>
+            </a:extLst>
+          </p:cNvPr>
+          <p:cNvSpPr txBox="1"/>
+          <p:nvPr/>
+        </p:nvSpPr>
+        <p:spPr>
+          <a:xfrm>
+            <a:off x="10042634" y="335652"/>
+            <a:ext cx="1514628" cy="369332"/>
+          </a:xfrm>
+          <a:prstGeom prst="rect">
+            <a:avLst/>
+          </a:prstGeom>
+          <a:noFill/>
+        </p:spPr>
+        <p:txBody>
+          <a:bodyPr wrap="square">
+            <a:spAutoFit/>
+          </a:bodyPr>
+          <a:lstStyle/>
+          <a:p>
+            <a:r>
+              <a:rPr lang="en-US" altLang="zh-CN" dirty="0"/>
+              <a:t>example1.c</a:t>
+            </a:r>
+            <a:endParaRPr lang="en-US" altLang="zh-CN" sz="1800" dirty="0"/>
+          </a:p>
+        </p:txBody>
+      </p:sp>
     </p:spTree>
     <p:extLst>
       <p:ext uri="{BB962C8B-B14F-4D97-AF65-F5344CB8AC3E}">
@@ -13310,7 +13354,7 @@
         <p:spPr>
           <a:xfrm>
             <a:off x="443345" y="1720840"/>
-            <a:ext cx="5172363" cy="3416320"/>
+            <a:ext cx="5172363" cy="3693319"/>
           </a:xfrm>
           <a:prstGeom prst="rect">
             <a:avLst/>
@@ -13338,7 +13382,7 @@
               <a:t>int </a:t>
             </a:r>
             <a:r>
-              <a:rPr lang="en-US" altLang="zh-CN" dirty="0" err="1"/>
+              <a:rPr lang="en-US" altLang="zh-CN" b="1" dirty="0" err="1"/>
               <a:t>execl</a:t>
             </a:r>
             <a:r>
@@ -13364,7 +13408,7 @@
               <a:t>int </a:t>
             </a:r>
             <a:r>
-              <a:rPr lang="en-US" altLang="zh-CN" dirty="0" err="1"/>
+              <a:rPr lang="en-US" altLang="zh-CN" b="1" dirty="0" err="1"/>
               <a:t>execlp</a:t>
             </a:r>
             <a:r>
@@ -13390,7 +13434,7 @@
               <a:t>int </a:t>
             </a:r>
             <a:r>
-              <a:rPr lang="en-US" altLang="zh-CN" dirty="0" err="1"/>
+              <a:rPr lang="en-US" altLang="zh-CN" b="1" dirty="0" err="1"/>
               <a:t>execle</a:t>
             </a:r>
             <a:r>
@@ -13413,6 +13457,9 @@
               <a:rPr lang="en-US" altLang="zh-CN" dirty="0"/>
               <a:t>[] */);</a:t>
             </a:r>
+          </a:p>
+          <a:p>
+            <a:endParaRPr lang="en-US" altLang="zh-CN" dirty="0"/>
           </a:p>
           <a:p>
             <a:pPr marL="457200" indent="-457200">
@@ -13424,7 +13471,7 @@
               <a:t>int </a:t>
             </a:r>
             <a:r>
-              <a:rPr lang="en-US" altLang="zh-CN" dirty="0" err="1"/>
+              <a:rPr lang="en-US" altLang="zh-CN" b="1" dirty="0" err="1"/>
               <a:t>execv</a:t>
             </a:r>
             <a:r>
@@ -13450,7 +13497,7 @@
               <a:t>int </a:t>
             </a:r>
             <a:r>
-              <a:rPr lang="en-US" altLang="zh-CN" dirty="0" err="1"/>
+              <a:rPr lang="en-US" altLang="zh-CN" b="1" dirty="0" err="1"/>
               <a:t>execvp</a:t>
             </a:r>
             <a:r>
@@ -13476,7 +13523,7 @@
               <a:t>int </a:t>
             </a:r>
             <a:r>
-              <a:rPr lang="en-US" altLang="zh-CN" dirty="0" err="1"/>
+              <a:rPr lang="en-US" altLang="zh-CN" b="1" dirty="0" err="1"/>
               <a:t>execvpe</a:t>
             </a:r>
             <a:r>
@@ -13568,6 +13615,42 @@
           </a:p>
         </p:txBody>
       </p:sp>
+      <p:sp>
+        <p:nvSpPr>
+          <p:cNvPr id="2" name="文本框 1">
+            <a:extLst>
+              <a:ext uri="{FF2B5EF4-FFF2-40B4-BE49-F238E27FC236}">
+                <a16:creationId xmlns:a16="http://schemas.microsoft.com/office/drawing/2014/main" id="{F04EB8A0-5CAE-A683-B330-BE1D706B64EF}"/>
+              </a:ext>
+            </a:extLst>
+          </p:cNvPr>
+          <p:cNvSpPr txBox="1"/>
+          <p:nvPr/>
+        </p:nvSpPr>
+        <p:spPr>
+          <a:xfrm>
+            <a:off x="10082780" y="1243593"/>
+            <a:ext cx="1514628" cy="369332"/>
+          </a:xfrm>
+          <a:prstGeom prst="rect">
+            <a:avLst/>
+          </a:prstGeom>
+          <a:noFill/>
+        </p:spPr>
+        <p:txBody>
+          <a:bodyPr wrap="square">
+            <a:spAutoFit/>
+          </a:bodyPr>
+          <a:lstStyle/>
+          <a:p>
+            <a:r>
+              <a:rPr lang="en-US" altLang="zh-CN" dirty="0"/>
+              <a:t>example2.c</a:t>
+            </a:r>
+            <a:endParaRPr lang="en-US" altLang="zh-CN" sz="1800" dirty="0"/>
+          </a:p>
+        </p:txBody>
+      </p:sp>
     </p:spTree>
     <p:extLst>
       <p:ext uri="{BB962C8B-B14F-4D97-AF65-F5344CB8AC3E}">
@@ -14642,6 +14725,42 @@
               </a:rPr>
               <a:t>}</a:t>
             </a:r>
+          </a:p>
+        </p:txBody>
+      </p:sp>
+      <p:sp>
+        <p:nvSpPr>
+          <p:cNvPr id="2" name="文本框 1">
+            <a:extLst>
+              <a:ext uri="{FF2B5EF4-FFF2-40B4-BE49-F238E27FC236}">
+                <a16:creationId xmlns:a16="http://schemas.microsoft.com/office/drawing/2014/main" id="{A4F05E28-87EE-B530-AD04-99D113F7CA87}"/>
+              </a:ext>
+            </a:extLst>
+          </p:cNvPr>
+          <p:cNvSpPr txBox="1"/>
+          <p:nvPr/>
+        </p:nvSpPr>
+        <p:spPr>
+          <a:xfrm>
+            <a:off x="10042634" y="335652"/>
+            <a:ext cx="1514628" cy="369332"/>
+          </a:xfrm>
+          <a:prstGeom prst="rect">
+            <a:avLst/>
+          </a:prstGeom>
+          <a:noFill/>
+        </p:spPr>
+        <p:txBody>
+          <a:bodyPr wrap="square">
+            <a:spAutoFit/>
+          </a:bodyPr>
+          <a:lstStyle/>
+          <a:p>
+            <a:r>
+              <a:rPr lang="en-US" altLang="zh-CN" dirty="0"/>
+              <a:t>example3.c</a:t>
+            </a:r>
+            <a:endParaRPr lang="en-US" altLang="zh-CN" sz="1800" dirty="0"/>
           </a:p>
         </p:txBody>
       </p:sp>
